--- a/3.学穿Binder篇/ppt与思维导图/Binder驱动源码分析.pptx
+++ b/3.学穿Binder篇/ppt与思维导图/Binder驱动源码分析.pptx
@@ -7660,67 +7660,6 @@
       </p:sp>
       <p:sp>
         <p:nvSpPr>
-          <p:cNvPr id="102" name="文本框 101"/>
-          <p:cNvSpPr txBox="1"/>
-          <p:nvPr/>
-        </p:nvSpPr>
-        <p:spPr>
-          <a:xfrm>
-            <a:off x="981075" y="711200"/>
-            <a:ext cx="11332845" cy="460375"/>
-          </a:xfrm>
-          <a:prstGeom prst="rect">
-            <a:avLst/>
-          </a:prstGeom>
-          <a:noFill/>
-        </p:spPr>
-        <p:txBody>
-          <a:bodyPr wrap="square" rtlCol="0">
-            <a:spAutoFit/>
-          </a:bodyPr>
-          <a:p>
-            <a:r>
-              <a:rPr lang="en-US" altLang="zh-CN" sz="2400" b="1">
-                <a:solidFill>
-                  <a:schemeClr val="tx1"/>
-                </a:solidFill>
-              </a:rPr>
-              <a:t>ServiceManager </a:t>
-            </a:r>
-            <a:r>
-              <a:rPr lang="zh-CN" altLang="en-US" sz="2400" b="1">
-                <a:solidFill>
-                  <a:schemeClr val="tx1"/>
-                </a:solidFill>
-              </a:rPr>
-              <a:t>用户态函数</a:t>
-            </a:r>
-            <a:r>
-              <a:rPr lang="en-US" altLang="zh-CN" sz="2400" b="1">
-                <a:solidFill>
-                  <a:schemeClr val="tx1"/>
-                </a:solidFill>
-              </a:rPr>
-              <a:t> binder_open </a:t>
-            </a:r>
-            <a:r>
-              <a:rPr lang="zh-CN" altLang="en-US" sz="2400" b="1">
-                <a:solidFill>
-                  <a:schemeClr val="tx1"/>
-                </a:solidFill>
-              </a:rPr>
-              <a:t>执行完毕后，内核态内部数据结构情况</a:t>
-            </a:r>
-            <a:endParaRPr lang="zh-CN" altLang="en-US" sz="2400" b="1">
-              <a:solidFill>
-                <a:schemeClr val="tx1"/>
-              </a:solidFill>
-            </a:endParaRPr>
-          </a:p>
-        </p:txBody>
-      </p:sp>
-      <p:sp>
-        <p:nvSpPr>
           <p:cNvPr id="103" name="矩形 102"/>
           <p:cNvSpPr/>
           <p:nvPr/>
@@ -8156,6 +8095,39 @@
           <a:xfrm>
             <a:off x="2776220" y="7073900"/>
             <a:ext cx="3267075" cy="3858895"/>
+          </a:xfrm>
+          <a:prstGeom prst="straightConnector1">
+            <a:avLst/>
+          </a:prstGeom>
+          <a:ln>
+            <a:tailEnd type="arrow"/>
+          </a:ln>
+        </p:spPr>
+        <p:style>
+          <a:lnRef idx="1">
+            <a:schemeClr val="accent1"/>
+          </a:lnRef>
+          <a:fillRef idx="0">
+            <a:schemeClr val="accent1"/>
+          </a:fillRef>
+          <a:effectRef idx="0">
+            <a:schemeClr val="accent1"/>
+          </a:effectRef>
+          <a:fontRef idx="minor">
+            <a:schemeClr val="tx1"/>
+          </a:fontRef>
+        </p:style>
+      </p:cxnSp>
+      <p:cxnSp>
+        <p:nvCxnSpPr>
+          <p:cNvPr id="4" name="直接箭头连接符 3"/>
+          <p:cNvCxnSpPr/>
+          <p:nvPr/>
+        </p:nvCxnSpPr>
+        <p:spPr>
+          <a:xfrm flipV="1">
+            <a:off x="2082165" y="10307955"/>
+            <a:ext cx="7958455" cy="2159000"/>
           </a:xfrm>
           <a:prstGeom prst="straightConnector1">
             <a:avLst/>
@@ -8206,6 +8178,82 @@
         <p:nvPr/>
       </p:nvGrpSpPr>
       <p:grpSpPr/>
+      <p:cxnSp>
+        <p:nvCxnSpPr>
+          <p:cNvPr id="2" name="直接连接符 1"/>
+          <p:cNvCxnSpPr/>
+          <p:nvPr/>
+        </p:nvCxnSpPr>
+        <p:spPr>
+          <a:xfrm flipV="1">
+            <a:off x="2596515" y="4700905"/>
+            <a:ext cx="15801975" cy="43180"/>
+          </a:xfrm>
+          <a:prstGeom prst="line">
+            <a:avLst/>
+          </a:prstGeom>
+        </p:spPr>
+        <p:style>
+          <a:lnRef idx="1">
+            <a:schemeClr val="accent1"/>
+          </a:lnRef>
+          <a:fillRef idx="0">
+            <a:schemeClr val="accent1"/>
+          </a:fillRef>
+          <a:effectRef idx="0">
+            <a:schemeClr val="accent1"/>
+          </a:effectRef>
+          <a:fontRef idx="minor">
+            <a:schemeClr val="tx1"/>
+          </a:fontRef>
+        </p:style>
+      </p:cxnSp>
+      <p:sp>
+        <p:nvSpPr>
+          <p:cNvPr id="3" name="矩形 2"/>
+          <p:cNvSpPr/>
+          <p:nvPr/>
+        </p:nvSpPr>
+        <p:spPr>
+          <a:xfrm>
+            <a:off x="3694430" y="2306320"/>
+            <a:ext cx="3731895" cy="899795"/>
+          </a:xfrm>
+          <a:prstGeom prst="rect">
+            <a:avLst/>
+          </a:prstGeom>
+          <a:ln>
+            <a:solidFill>
+              <a:schemeClr val="tx1"/>
+            </a:solidFill>
+          </a:ln>
+        </p:spPr>
+        <p:style>
+          <a:lnRef idx="2">
+            <a:schemeClr val="accent6"/>
+          </a:lnRef>
+          <a:fillRef idx="1">
+            <a:schemeClr val="lt1"/>
+          </a:fillRef>
+          <a:effectRef idx="0">
+            <a:schemeClr val="accent6"/>
+          </a:effectRef>
+          <a:fontRef idx="minor">
+            <a:schemeClr val="dk1"/>
+          </a:fontRef>
+        </p:style>
+        <p:txBody>
+          <a:bodyPr rtlCol="0" anchor="ctr"/>
+          <a:p>
+            <a:pPr algn="ctr"/>
+            <a:r>
+              <a:rPr lang="en-US" altLang="zh-CN"/>
+              <a:t>Client / Server</a:t>
+            </a:r>
+            <a:endParaRPr lang="zh-CN" altLang="en-US"/>
+          </a:p>
+        </p:txBody>
+      </p:sp>
     </p:spTree>
     <p:custDataLst>
       <p:tags r:id="rId1"/>
@@ -8303,7 +8351,7 @@
 
 <file path=ppt/tags/tag109.xml><?xml version="1.0" encoding="utf-8"?>
 <p:tagLst xmlns:p="http://schemas.openxmlformats.org/presentationml/2006/main">
-  <p:tag name="COMMONDATA" val="eyJoZGlkIjoiODA5M2RkOTQyYjhiMDYzNWE1ZDI4YjQ2YWU1MzZlOWIifQ=="/>
+  <p:tag name="COMMONDATA" val="eyJoZGlkIjoiNjE5OWZjMGE3NGM4M2EwN2I0NjRjNjE5ZDIxZDM4MDkifQ=="/>
   <p:tag name="KSO_WPP_MARK_KEY" val="7873bd9c-d00e-41bd-b0f3-bc24ed983d8a"/>
 </p:tagLst>
 </file>
